--- a/U1_Introduccion_a_la_programacion/PracticaGuiada01_Introduccion_a_la_programacion_2.pptx
+++ b/U1_Introduccion_a_la_programacion/PracticaGuiada01_Introduccion_a_la_programacion_2.pptx
@@ -313,7 +313,7 @@
           <a:p>
             <a:fld id="{52E1F3CF-CBB0-4B70-B3EC-A5BE15E68A1B}" type="datetimeFigureOut">
               <a:rPr lang="es-MX" smtClean="0"/>
-              <a:t>29/09/2021</a:t>
+              <a:t>15/10/2021</a:t>
             </a:fld>
             <a:endParaRPr lang="es-MX"/>
           </a:p>
@@ -483,7 +483,7 @@
           <a:p>
             <a:fld id="{52E1F3CF-CBB0-4B70-B3EC-A5BE15E68A1B}" type="datetimeFigureOut">
               <a:rPr lang="es-MX" smtClean="0"/>
-              <a:t>29/09/2021</a:t>
+              <a:t>15/10/2021</a:t>
             </a:fld>
             <a:endParaRPr lang="es-MX"/>
           </a:p>
@@ -663,7 +663,7 @@
           <a:p>
             <a:fld id="{52E1F3CF-CBB0-4B70-B3EC-A5BE15E68A1B}" type="datetimeFigureOut">
               <a:rPr lang="es-MX" smtClean="0"/>
-              <a:t>29/09/2021</a:t>
+              <a:t>15/10/2021</a:t>
             </a:fld>
             <a:endParaRPr lang="es-MX"/>
           </a:p>
@@ -833,7 +833,7 @@
           <a:p>
             <a:fld id="{52E1F3CF-CBB0-4B70-B3EC-A5BE15E68A1B}" type="datetimeFigureOut">
               <a:rPr lang="es-MX" smtClean="0"/>
-              <a:t>29/09/2021</a:t>
+              <a:t>15/10/2021</a:t>
             </a:fld>
             <a:endParaRPr lang="es-MX"/>
           </a:p>
@@ -1079,7 +1079,7 @@
           <a:p>
             <a:fld id="{52E1F3CF-CBB0-4B70-B3EC-A5BE15E68A1B}" type="datetimeFigureOut">
               <a:rPr lang="es-MX" smtClean="0"/>
-              <a:t>29/09/2021</a:t>
+              <a:t>15/10/2021</a:t>
             </a:fld>
             <a:endParaRPr lang="es-MX"/>
           </a:p>
@@ -1311,7 +1311,7 @@
           <a:p>
             <a:fld id="{52E1F3CF-CBB0-4B70-B3EC-A5BE15E68A1B}" type="datetimeFigureOut">
               <a:rPr lang="es-MX" smtClean="0"/>
-              <a:t>29/09/2021</a:t>
+              <a:t>15/10/2021</a:t>
             </a:fld>
             <a:endParaRPr lang="es-MX"/>
           </a:p>
@@ -1678,7 +1678,7 @@
           <a:p>
             <a:fld id="{52E1F3CF-CBB0-4B70-B3EC-A5BE15E68A1B}" type="datetimeFigureOut">
               <a:rPr lang="es-MX" smtClean="0"/>
-              <a:t>29/09/2021</a:t>
+              <a:t>15/10/2021</a:t>
             </a:fld>
             <a:endParaRPr lang="es-MX"/>
           </a:p>
@@ -1796,7 +1796,7 @@
           <a:p>
             <a:fld id="{52E1F3CF-CBB0-4B70-B3EC-A5BE15E68A1B}" type="datetimeFigureOut">
               <a:rPr lang="es-MX" smtClean="0"/>
-              <a:t>29/09/2021</a:t>
+              <a:t>15/10/2021</a:t>
             </a:fld>
             <a:endParaRPr lang="es-MX"/>
           </a:p>
@@ -1891,7 +1891,7 @@
           <a:p>
             <a:fld id="{52E1F3CF-CBB0-4B70-B3EC-A5BE15E68A1B}" type="datetimeFigureOut">
               <a:rPr lang="es-MX" smtClean="0"/>
-              <a:t>29/09/2021</a:t>
+              <a:t>15/10/2021</a:t>
             </a:fld>
             <a:endParaRPr lang="es-MX"/>
           </a:p>
@@ -2168,7 +2168,7 @@
           <a:p>
             <a:fld id="{52E1F3CF-CBB0-4B70-B3EC-A5BE15E68A1B}" type="datetimeFigureOut">
               <a:rPr lang="es-MX" smtClean="0"/>
-              <a:t>29/09/2021</a:t>
+              <a:t>15/10/2021</a:t>
             </a:fld>
             <a:endParaRPr lang="es-MX"/>
           </a:p>
@@ -2421,7 +2421,7 @@
           <a:p>
             <a:fld id="{52E1F3CF-CBB0-4B70-B3EC-A5BE15E68A1B}" type="datetimeFigureOut">
               <a:rPr lang="es-MX" smtClean="0"/>
-              <a:t>29/09/2021</a:t>
+              <a:t>15/10/2021</a:t>
             </a:fld>
             <a:endParaRPr lang="es-MX"/>
           </a:p>
@@ -2634,7 +2634,7 @@
           <a:p>
             <a:fld id="{52E1F3CF-CBB0-4B70-B3EC-A5BE15E68A1B}" type="datetimeFigureOut">
               <a:rPr lang="es-MX" smtClean="0"/>
-              <a:t>29/09/2021</a:t>
+              <a:t>15/10/2021</a:t>
             </a:fld>
             <a:endParaRPr lang="es-MX"/>
           </a:p>
@@ -6470,7 +6470,7 @@
         <p:spPr>
           <a:xfrm>
             <a:off x="844061" y="1143000"/>
-            <a:ext cx="10694338" cy="4524315"/>
+            <a:ext cx="10822835" cy="4524315"/>
           </a:xfrm>
           <a:prstGeom prst="rect">
             <a:avLst/>
@@ -6508,8 +6508,8 @@
               <a:t>\</a:t>
             </a:r>
             <a:r>
-              <a:rPr lang="es-MX" dirty="0" err="1" smtClean="0"/>
-              <a:t>Release</a:t>
+              <a:rPr lang="es-MX" dirty="0" smtClean="0"/>
+              <a:t>09_Debugme</a:t>
             </a:r>
             <a:r>
               <a:rPr lang="es-MX" dirty="0" smtClean="0"/>
@@ -6576,28 +6576,28 @@
               <a:t>\ProjectDebugme.exe </a:t>
             </a:r>
             <a:r>
-              <a:rPr lang="es-MX" dirty="0" err="1"/>
+              <a:rPr lang="es-MX" dirty="0" err="1" smtClean="0"/>
               <a:t>obj</a:t>
             </a:r>
             <a:r>
+              <a:rPr lang="es-MX" smtClean="0"/>
+              <a:t>\09_Debugme</a:t>
+            </a:r>
+            <a:r>
+              <a:rPr lang="es-MX" smtClean="0"/>
+              <a:t>\</a:t>
+            </a:r>
+            <a:r>
+              <a:rPr lang="es-MX" dirty="0" err="1" smtClean="0"/>
+              <a:t>debugme.o</a:t>
+            </a:r>
+            <a:r>
+              <a:rPr lang="es-MX" dirty="0" smtClean="0"/>
+              <a:t>  </a:t>
+            </a:r>
+            <a:r>
               <a:rPr lang="es-MX" dirty="0"/>
-              <a:t>\</a:t>
-            </a:r>
-            <a:r>
-              <a:rPr lang="es-MX" dirty="0" err="1"/>
-              <a:t>Release</a:t>
-            </a:r>
-            <a:r>
-              <a:rPr lang="es-MX" dirty="0"/>
-              <a:t>\</a:t>
-            </a:r>
-            <a:r>
-              <a:rPr lang="es-MX" dirty="0" err="1"/>
-              <a:t>debugme.o</a:t>
-            </a:r>
-            <a:r>
-              <a:rPr lang="es-MX" dirty="0"/>
-              <a:t>  -</a:t>
+              <a:t>-</a:t>
             </a:r>
             <a:r>
               <a:rPr lang="es-MX" dirty="0" smtClean="0"/>
